--- a/랩미팅/201909/190909 (Jong).pptx
+++ b/랩미팅/201909/190909 (Jong).pptx
@@ -5,12 +5,13 @@
     <p:sldMasterId id="2147483660" r:id="rId1"/>
   </p:sldMasterIdLst>
   <p:notesMasterIdLst>
-    <p:notesMasterId r:id="rId5"/>
+    <p:notesMasterId r:id="rId6"/>
   </p:notesMasterIdLst>
   <p:sldIdLst>
     <p:sldId id="322" r:id="rId2"/>
     <p:sldId id="323" r:id="rId3"/>
     <p:sldId id="324" r:id="rId4"/>
+    <p:sldId id="325" r:id="rId5"/>
   </p:sldIdLst>
   <p:sldSz cx="9144000" cy="6858000" type="screen4x3"/>
   <p:notesSz cx="6735763" cy="9866313"/>
@@ -199,7 +200,7 @@
           <a:p>
             <a:fld id="{A9D6DECA-6E4E-4D09-9277-E151A2E3F74C}" type="datetimeFigureOut">
               <a:rPr lang="ko-KR" altLang="en-US" smtClean="0"/>
-              <a:t>2019-09-10</a:t>
+              <a:t>2019-09-16</a:t>
             </a:fld>
             <a:endParaRPr lang="ko-KR" altLang="en-US"/>
           </a:p>
@@ -682,7 +683,7 @@
           <a:p>
             <a:fld id="{78E89258-A40F-4400-BA1A-638141289729}" type="datetime1">
               <a:rPr lang="ko-KR" altLang="en-US" smtClean="0"/>
-              <a:t>2019-09-10</a:t>
+              <a:t>2019-09-16</a:t>
             </a:fld>
             <a:endParaRPr lang="ko-KR" altLang="en-US"/>
           </a:p>
@@ -859,7 +860,7 @@
           <a:p>
             <a:fld id="{CD116CEF-802E-43F7-8932-78519DF2A264}" type="datetime1">
               <a:rPr lang="ko-KR" altLang="en-US" smtClean="0"/>
-              <a:t>2019-09-10</a:t>
+              <a:t>2019-09-16</a:t>
             </a:fld>
             <a:endParaRPr lang="ko-KR" altLang="en-US"/>
           </a:p>
@@ -1039,7 +1040,7 @@
           <a:p>
             <a:fld id="{EFD9D7C3-1982-427D-BFA7-1AF9687AAB0F}" type="datetime1">
               <a:rPr lang="ko-KR" altLang="en-US" smtClean="0"/>
-              <a:t>2019-09-10</a:t>
+              <a:t>2019-09-16</a:t>
             </a:fld>
             <a:endParaRPr lang="ko-KR" altLang="en-US"/>
           </a:p>
@@ -1209,7 +1210,7 @@
           <a:p>
             <a:fld id="{EDD93E7F-B437-40E5-8ACB-B79696783EFA}" type="datetime1">
               <a:rPr lang="ko-KR" altLang="en-US" smtClean="0"/>
-              <a:t>2019-09-10</a:t>
+              <a:t>2019-09-16</a:t>
             </a:fld>
             <a:endParaRPr lang="ko-KR" altLang="en-US"/>
           </a:p>
@@ -1453,7 +1454,7 @@
           <a:p>
             <a:fld id="{DB249950-0BD4-4F6E-BE3F-CB53B7E2FD06}" type="datetime1">
               <a:rPr lang="ko-KR" altLang="en-US" smtClean="0"/>
-              <a:t>2019-09-10</a:t>
+              <a:t>2019-09-16</a:t>
             </a:fld>
             <a:endParaRPr lang="ko-KR" altLang="en-US"/>
           </a:p>
@@ -1685,7 +1686,7 @@
           <a:p>
             <a:fld id="{7B016D7E-32C0-4DB3-B6B3-0506A62840FB}" type="datetime1">
               <a:rPr lang="ko-KR" altLang="en-US" smtClean="0"/>
-              <a:t>2019-09-10</a:t>
+              <a:t>2019-09-16</a:t>
             </a:fld>
             <a:endParaRPr lang="ko-KR" altLang="en-US"/>
           </a:p>
@@ -2052,7 +2053,7 @@
           <a:p>
             <a:fld id="{B246672D-B3FD-4B2E-92C0-4A80DA670927}" type="datetime1">
               <a:rPr lang="ko-KR" altLang="en-US" smtClean="0"/>
-              <a:t>2019-09-10</a:t>
+              <a:t>2019-09-16</a:t>
             </a:fld>
             <a:endParaRPr lang="ko-KR" altLang="en-US"/>
           </a:p>
@@ -2170,7 +2171,7 @@
           <a:p>
             <a:fld id="{9B9B7D2E-B202-4D7A-9519-0C490A04EB9C}" type="datetime1">
               <a:rPr lang="ko-KR" altLang="en-US" smtClean="0"/>
-              <a:t>2019-09-10</a:t>
+              <a:t>2019-09-16</a:t>
             </a:fld>
             <a:endParaRPr lang="ko-KR" altLang="en-US"/>
           </a:p>
@@ -2265,7 +2266,7 @@
           <a:p>
             <a:fld id="{12FB9327-987E-47D6-AE2D-63CED8A79494}" type="datetime1">
               <a:rPr lang="ko-KR" altLang="en-US" smtClean="0"/>
-              <a:t>2019-09-10</a:t>
+              <a:t>2019-09-16</a:t>
             </a:fld>
             <a:endParaRPr lang="ko-KR" altLang="en-US"/>
           </a:p>
@@ -2542,7 +2543,7 @@
           <a:p>
             <a:fld id="{D8D87011-7294-4632-A156-4F695AB9E41C}" type="datetime1">
               <a:rPr lang="ko-KR" altLang="en-US" smtClean="0"/>
-              <a:t>2019-09-10</a:t>
+              <a:t>2019-09-16</a:t>
             </a:fld>
             <a:endParaRPr lang="ko-KR" altLang="en-US"/>
           </a:p>
@@ -2799,7 +2800,7 @@
           <a:p>
             <a:fld id="{1BDC7FDB-72DE-4D65-AF4F-510496DAF70F}" type="datetime1">
               <a:rPr lang="ko-KR" altLang="en-US" smtClean="0"/>
-              <a:t>2019-09-10</a:t>
+              <a:t>2019-09-16</a:t>
             </a:fld>
             <a:endParaRPr lang="ko-KR" altLang="en-US"/>
           </a:p>
@@ -3012,7 +3013,7 @@
           <a:p>
             <a:fld id="{9A286DBF-DB43-470A-A903-26374CB6EF47}" type="datetime1">
               <a:rPr lang="ko-KR" altLang="en-US" smtClean="0"/>
-              <a:t>2019-09-10</a:t>
+              <a:t>2019-09-16</a:t>
             </a:fld>
             <a:endParaRPr lang="ko-KR" altLang="en-US"/>
           </a:p>
@@ -3435,7 +3436,7 @@
           <a:p>
             <a:fld id="{32C03489-23FC-4021-B9AB-958EFB3C0FE7}" type="datetime1">
               <a:rPr lang="ko-KR" altLang="en-US" smtClean="0"/>
-              <a:t>2019-09-10</a:t>
+              <a:t>2019-09-16</a:t>
             </a:fld>
             <a:endParaRPr lang="ko-KR" altLang="en-US"/>
           </a:p>
@@ -3511,7 +3512,7 @@
         <p:spPr>
           <a:xfrm>
             <a:off x="4845819" y="935183"/>
-            <a:ext cx="3761471" cy="880369"/>
+            <a:ext cx="3761471" cy="464871"/>
           </a:xfrm>
           <a:prstGeom prst="rect">
             <a:avLst/>
@@ -3533,20 +3534,11 @@
             </a:pPr>
             <a:r>
               <a:rPr lang="en-US" altLang="ko-KR" dirty="0" smtClean="0"/>
-              <a:t>Finish preparation of training data</a:t>
-            </a:r>
-          </a:p>
-          <a:p>
-            <a:pPr marL="285750" indent="-285750">
-              <a:lnSpc>
-                <a:spcPct val="150000"/>
-              </a:lnSpc>
-              <a:buFontTx/>
-              <a:buChar char="-"/>
-            </a:pPr>
+              <a:t>Manuscript </a:t>
+            </a:r>
             <a:r>
               <a:rPr lang="en-US" altLang="ko-KR" dirty="0" smtClean="0"/>
-              <a:t>Manuscript preparation</a:t>
+              <a:t>preparation</a:t>
             </a:r>
             <a:r>
               <a:rPr lang="en-US" altLang="ko-KR" dirty="0"/>
@@ -3856,7 +3848,7 @@
           <a:p>
             <a:fld id="{9B9B7D2E-B202-4D7A-9519-0C490A04EB9C}" type="datetime1">
               <a:rPr lang="ko-KR" altLang="en-US" smtClean="0"/>
-              <a:t>2019-09-10</a:t>
+              <a:t>2019-09-16</a:t>
             </a:fld>
             <a:endParaRPr lang="ko-KR" altLang="en-US"/>
           </a:p>
@@ -4221,11 +4213,7 @@
           <a:p>
             <a:r>
               <a:rPr lang="en-US" altLang="ko-KR" dirty="0" smtClean="0"/>
-              <a:t># of data: </a:t>
-            </a:r>
-            <a:r>
-              <a:rPr lang="en-US" altLang="ko-KR" dirty="0" smtClean="0"/>
-              <a:t>20,000</a:t>
+              <a:t># of data: 20,000</a:t>
             </a:r>
           </a:p>
           <a:p>
@@ -4959,7 +4947,7 @@
           <a:p>
             <a:fld id="{9B9B7D2E-B202-4D7A-9519-0C490A04EB9C}" type="datetime1">
               <a:rPr lang="ko-KR" altLang="en-US" smtClean="0"/>
-              <a:t>2019-09-10</a:t>
+              <a:t>2019-09-16</a:t>
             </a:fld>
             <a:endParaRPr lang="ko-KR" altLang="en-US"/>
           </a:p>
@@ -6314,6 +6302,819 @@
   <p:clrMapOvr>
     <a:masterClrMapping/>
   </p:clrMapOvr>
+</p:sld>
+</file>
+
+<file path=ppt/slides/slide4.xml><?xml version="1.0" encoding="utf-8"?>
+<p:sld xmlns:a="http://schemas.openxmlformats.org/drawingml/2006/main" xmlns:r="http://schemas.openxmlformats.org/officeDocument/2006/relationships" xmlns:p="http://schemas.openxmlformats.org/presentationml/2006/main">
+  <p:cSld>
+    <p:spTree>
+      <p:nvGrpSpPr>
+        <p:cNvPr id="1" name=""/>
+        <p:cNvGrpSpPr/>
+        <p:nvPr/>
+      </p:nvGrpSpPr>
+      <p:grpSpPr>
+        <a:xfrm>
+          <a:off x="0" y="0"/>
+          <a:ext cx="0" cy="0"/>
+          <a:chOff x="0" y="0"/>
+          <a:chExt cx="0" cy="0"/>
+        </a:xfrm>
+      </p:grpSpPr>
+      <p:pic>
+        <p:nvPicPr>
+          <p:cNvPr id="13" name="그림 12"/>
+          <p:cNvPicPr>
+            <a:picLocks noChangeAspect="1"/>
+          </p:cNvPicPr>
+          <p:nvPr/>
+        </p:nvPicPr>
+        <p:blipFill>
+          <a:blip r:embed="rId2"/>
+          <a:stretch>
+            <a:fillRect/>
+          </a:stretch>
+        </p:blipFill>
+        <p:spPr>
+          <a:xfrm>
+            <a:off x="1959489" y="1105056"/>
+            <a:ext cx="4313647" cy="2520000"/>
+          </a:xfrm>
+          <a:prstGeom prst="rect">
+            <a:avLst/>
+          </a:prstGeom>
+        </p:spPr>
+      </p:pic>
+      <p:pic>
+        <p:nvPicPr>
+          <p:cNvPr id="11" name="그림 10"/>
+          <p:cNvPicPr>
+            <a:picLocks noChangeAspect="1"/>
+          </p:cNvPicPr>
+          <p:nvPr/>
+        </p:nvPicPr>
+        <p:blipFill>
+          <a:blip r:embed="rId3"/>
+          <a:stretch>
+            <a:fillRect/>
+          </a:stretch>
+        </p:blipFill>
+        <p:spPr>
+          <a:xfrm>
+            <a:off x="243351" y="1105056"/>
+            <a:ext cx="1607495" cy="2520000"/>
+          </a:xfrm>
+          <a:prstGeom prst="rect">
+            <a:avLst/>
+          </a:prstGeom>
+        </p:spPr>
+      </p:pic>
+      <p:sp>
+        <p:nvSpPr>
+          <p:cNvPr id="3" name="날짜 개체 틀 2"/>
+          <p:cNvSpPr>
+            <a:spLocks noGrp="1"/>
+          </p:cNvSpPr>
+          <p:nvPr>
+            <p:ph type="dt" sz="half" idx="10"/>
+          </p:nvPr>
+        </p:nvSpPr>
+        <p:spPr/>
+        <p:txBody>
+          <a:bodyPr/>
+          <a:lstStyle/>
+          <a:p>
+            <a:fld id="{9B9B7D2E-B202-4D7A-9519-0C490A04EB9C}" type="datetime1">
+              <a:rPr lang="ko-KR" altLang="en-US" smtClean="0"/>
+              <a:t>2019-09-16</a:t>
+            </a:fld>
+            <a:endParaRPr lang="ko-KR" altLang="en-US"/>
+          </a:p>
+        </p:txBody>
+      </p:sp>
+      <p:sp>
+        <p:nvSpPr>
+          <p:cNvPr id="4" name="슬라이드 번호 개체 틀 3"/>
+          <p:cNvSpPr>
+            <a:spLocks noGrp="1"/>
+          </p:cNvSpPr>
+          <p:nvPr>
+            <p:ph type="sldNum" sz="quarter" idx="12"/>
+          </p:nvPr>
+        </p:nvSpPr>
+        <p:spPr/>
+        <p:txBody>
+          <a:bodyPr/>
+          <a:lstStyle/>
+          <a:p>
+            <a:fld id="{8765F8EB-1186-4395-8E70-F957669279DD}" type="slidenum">
+              <a:rPr lang="ko-KR" altLang="en-US" smtClean="0"/>
+              <a:t>4</a:t>
+            </a:fld>
+            <a:endParaRPr lang="ko-KR" altLang="en-US"/>
+          </a:p>
+        </p:txBody>
+      </p:sp>
+      <p:sp>
+        <p:nvSpPr>
+          <p:cNvPr id="5" name="TextBox 4"/>
+          <p:cNvSpPr txBox="1"/>
+          <p:nvPr/>
+        </p:nvSpPr>
+        <p:spPr>
+          <a:xfrm>
+            <a:off x="0" y="2512"/>
+            <a:ext cx="3801981" cy="400110"/>
+          </a:xfrm>
+          <a:prstGeom prst="rect">
+            <a:avLst/>
+          </a:prstGeom>
+          <a:noFill/>
+        </p:spPr>
+        <p:txBody>
+          <a:bodyPr wrap="square" rtlCol="0">
+            <a:spAutoFit/>
+          </a:bodyPr>
+          <a:lstStyle/>
+          <a:p>
+            <a:r>
+              <a:rPr lang="en-US" altLang="ko-KR" sz="2000" b="1" dirty="0" smtClean="0">
+                <a:solidFill>
+                  <a:srgbClr val="3333FF"/>
+                </a:solidFill>
+              </a:rPr>
+              <a:t>Splitter Input Mode Comparison</a:t>
+            </a:r>
+            <a:endParaRPr lang="ko-KR" altLang="en-US" sz="2000" b="1" dirty="0">
+              <a:solidFill>
+                <a:srgbClr val="3333FF"/>
+              </a:solidFill>
+            </a:endParaRPr>
+          </a:p>
+        </p:txBody>
+      </p:sp>
+      <p:sp>
+        <p:nvSpPr>
+          <p:cNvPr id="8" name="TextBox 7"/>
+          <p:cNvSpPr txBox="1"/>
+          <p:nvPr/>
+        </p:nvSpPr>
+        <p:spPr>
+          <a:xfrm>
+            <a:off x="668585" y="2906228"/>
+            <a:ext cx="723570" cy="369332"/>
+          </a:xfrm>
+          <a:prstGeom prst="rect">
+            <a:avLst/>
+          </a:prstGeom>
+          <a:noFill/>
+        </p:spPr>
+        <p:txBody>
+          <a:bodyPr wrap="square" rtlCol="0">
+            <a:spAutoFit/>
+          </a:bodyPr>
+          <a:lstStyle/>
+          <a:p>
+            <a:r>
+              <a:rPr lang="en-US" altLang="ko-KR" dirty="0" smtClean="0">
+                <a:solidFill>
+                  <a:schemeClr val="bg1"/>
+                </a:solidFill>
+              </a:rPr>
+              <a:t>Input</a:t>
+            </a:r>
+            <a:endParaRPr lang="ko-KR" altLang="en-US" baseline="-25000" dirty="0">
+              <a:solidFill>
+                <a:schemeClr val="bg1"/>
+              </a:solidFill>
+            </a:endParaRPr>
+          </a:p>
+        </p:txBody>
+      </p:sp>
+      <p:sp>
+        <p:nvSpPr>
+          <p:cNvPr id="9" name="TextBox 8"/>
+          <p:cNvSpPr txBox="1"/>
+          <p:nvPr/>
+        </p:nvSpPr>
+        <p:spPr>
+          <a:xfrm>
+            <a:off x="450709" y="1255395"/>
+            <a:ext cx="403587" cy="369332"/>
+          </a:xfrm>
+          <a:prstGeom prst="rect">
+            <a:avLst/>
+          </a:prstGeom>
+          <a:noFill/>
+        </p:spPr>
+        <p:txBody>
+          <a:bodyPr wrap="square" rtlCol="0">
+            <a:spAutoFit/>
+          </a:bodyPr>
+          <a:lstStyle/>
+          <a:p>
+            <a:r>
+              <a:rPr lang="en-US" altLang="ko-KR" dirty="0" smtClean="0">
+                <a:solidFill>
+                  <a:schemeClr val="bg1"/>
+                </a:solidFill>
+              </a:rPr>
+              <a:t>T</a:t>
+            </a:r>
+            <a:r>
+              <a:rPr lang="en-US" altLang="ko-KR" baseline="-25000" dirty="0" smtClean="0">
+                <a:solidFill>
+                  <a:schemeClr val="bg1"/>
+                </a:solidFill>
+              </a:rPr>
+              <a:t>1</a:t>
+            </a:r>
+            <a:endParaRPr lang="ko-KR" altLang="en-US" baseline="-25000" dirty="0">
+              <a:solidFill>
+                <a:schemeClr val="bg1"/>
+              </a:solidFill>
+            </a:endParaRPr>
+          </a:p>
+        </p:txBody>
+      </p:sp>
+      <p:sp>
+        <p:nvSpPr>
+          <p:cNvPr id="20" name="TextBox 19"/>
+          <p:cNvSpPr txBox="1"/>
+          <p:nvPr/>
+        </p:nvSpPr>
+        <p:spPr>
+          <a:xfrm>
+            <a:off x="5385230" y="1107472"/>
+            <a:ext cx="445085" cy="369332"/>
+          </a:xfrm>
+          <a:prstGeom prst="rect">
+            <a:avLst/>
+          </a:prstGeom>
+          <a:noFill/>
+        </p:spPr>
+        <p:txBody>
+          <a:bodyPr wrap="square" rtlCol="0">
+            <a:spAutoFit/>
+          </a:bodyPr>
+          <a:lstStyle/>
+          <a:p>
+            <a:r>
+              <a:rPr lang="en-US" altLang="ko-KR" dirty="0" smtClean="0"/>
+              <a:t>T</a:t>
+            </a:r>
+            <a:r>
+              <a:rPr lang="en-US" altLang="ko-KR" baseline="-25000" dirty="0" smtClean="0"/>
+              <a:t>2</a:t>
+            </a:r>
+            <a:endParaRPr lang="ko-KR" altLang="en-US" baseline="-25000" dirty="0"/>
+          </a:p>
+        </p:txBody>
+      </p:sp>
+      <p:sp>
+        <p:nvSpPr>
+          <p:cNvPr id="21" name="TextBox 20"/>
+          <p:cNvSpPr txBox="1"/>
+          <p:nvPr/>
+        </p:nvSpPr>
+        <p:spPr>
+          <a:xfrm>
+            <a:off x="5335006" y="1724817"/>
+            <a:ext cx="545531" cy="369332"/>
+          </a:xfrm>
+          <a:prstGeom prst="rect">
+            <a:avLst/>
+          </a:prstGeom>
+          <a:noFill/>
+        </p:spPr>
+        <p:txBody>
+          <a:bodyPr wrap="square" rtlCol="0">
+            <a:spAutoFit/>
+          </a:bodyPr>
+          <a:lstStyle/>
+          <a:p>
+            <a:r>
+              <a:rPr lang="en-US" altLang="ko-KR" dirty="0" smtClean="0"/>
+              <a:t>T</a:t>
+            </a:r>
+            <a:r>
+              <a:rPr lang="en-US" altLang="ko-KR" baseline="-25000" dirty="0" smtClean="0"/>
+              <a:t>1,3</a:t>
+            </a:r>
+            <a:endParaRPr lang="ko-KR" altLang="en-US" baseline="-25000" dirty="0"/>
+          </a:p>
+        </p:txBody>
+      </p:sp>
+      <p:sp>
+        <p:nvSpPr>
+          <p:cNvPr id="24" name="TextBox 23"/>
+          <p:cNvSpPr txBox="1"/>
+          <p:nvPr/>
+        </p:nvSpPr>
+        <p:spPr>
+          <a:xfrm>
+            <a:off x="828577" y="1249226"/>
+            <a:ext cx="403587" cy="369332"/>
+          </a:xfrm>
+          <a:prstGeom prst="rect">
+            <a:avLst/>
+          </a:prstGeom>
+          <a:noFill/>
+        </p:spPr>
+        <p:txBody>
+          <a:bodyPr wrap="square" rtlCol="0">
+            <a:spAutoFit/>
+          </a:bodyPr>
+          <a:lstStyle/>
+          <a:p>
+            <a:r>
+              <a:rPr lang="en-US" altLang="ko-KR" dirty="0" smtClean="0">
+                <a:solidFill>
+                  <a:schemeClr val="bg1"/>
+                </a:solidFill>
+              </a:rPr>
+              <a:t>T</a:t>
+            </a:r>
+            <a:r>
+              <a:rPr lang="en-US" altLang="ko-KR" baseline="-25000" dirty="0">
+                <a:solidFill>
+                  <a:schemeClr val="bg1"/>
+                </a:solidFill>
+              </a:rPr>
+              <a:t>2</a:t>
+            </a:r>
+            <a:endParaRPr lang="ko-KR" altLang="en-US" baseline="-25000" dirty="0">
+              <a:solidFill>
+                <a:schemeClr val="bg1"/>
+              </a:solidFill>
+            </a:endParaRPr>
+          </a:p>
+        </p:txBody>
+      </p:sp>
+      <p:sp>
+        <p:nvSpPr>
+          <p:cNvPr id="25" name="TextBox 24"/>
+          <p:cNvSpPr txBox="1"/>
+          <p:nvPr/>
+        </p:nvSpPr>
+        <p:spPr>
+          <a:xfrm>
+            <a:off x="1190361" y="1243057"/>
+            <a:ext cx="403587" cy="369332"/>
+          </a:xfrm>
+          <a:prstGeom prst="rect">
+            <a:avLst/>
+          </a:prstGeom>
+          <a:noFill/>
+        </p:spPr>
+        <p:txBody>
+          <a:bodyPr wrap="square" rtlCol="0">
+            <a:spAutoFit/>
+          </a:bodyPr>
+          <a:lstStyle/>
+          <a:p>
+            <a:r>
+              <a:rPr lang="en-US" altLang="ko-KR" dirty="0" smtClean="0">
+                <a:solidFill>
+                  <a:schemeClr val="bg1"/>
+                </a:solidFill>
+              </a:rPr>
+              <a:t>T</a:t>
+            </a:r>
+            <a:r>
+              <a:rPr lang="en-US" altLang="ko-KR" baseline="-25000" dirty="0">
+                <a:solidFill>
+                  <a:schemeClr val="bg1"/>
+                </a:solidFill>
+              </a:rPr>
+              <a:t>3</a:t>
+            </a:r>
+            <a:endParaRPr lang="ko-KR" altLang="en-US" baseline="-25000" dirty="0">
+              <a:solidFill>
+                <a:schemeClr val="bg1"/>
+              </a:solidFill>
+            </a:endParaRPr>
+          </a:p>
+        </p:txBody>
+      </p:sp>
+      <p:sp>
+        <p:nvSpPr>
+          <p:cNvPr id="15" name="TextBox 14"/>
+          <p:cNvSpPr txBox="1"/>
+          <p:nvPr/>
+        </p:nvSpPr>
+        <p:spPr>
+          <a:xfrm>
+            <a:off x="2643440" y="2586079"/>
+            <a:ext cx="445085" cy="369332"/>
+          </a:xfrm>
+          <a:prstGeom prst="rect">
+            <a:avLst/>
+          </a:prstGeom>
+          <a:noFill/>
+        </p:spPr>
+        <p:txBody>
+          <a:bodyPr wrap="square" rtlCol="0">
+            <a:spAutoFit/>
+          </a:bodyPr>
+          <a:lstStyle/>
+          <a:p>
+            <a:r>
+              <a:rPr lang="en-US" altLang="ko-KR" dirty="0" smtClean="0"/>
+              <a:t>R</a:t>
+            </a:r>
+            <a:endParaRPr lang="ko-KR" altLang="en-US" baseline="-25000" dirty="0"/>
+          </a:p>
+        </p:txBody>
+      </p:sp>
+      <p:sp>
+        <p:nvSpPr>
+          <p:cNvPr id="17" name="TextBox 16"/>
+          <p:cNvSpPr txBox="1"/>
+          <p:nvPr/>
+        </p:nvSpPr>
+        <p:spPr>
+          <a:xfrm>
+            <a:off x="5137528" y="293337"/>
+            <a:ext cx="3267332" cy="646331"/>
+          </a:xfrm>
+          <a:prstGeom prst="rect">
+            <a:avLst/>
+          </a:prstGeom>
+          <a:noFill/>
+        </p:spPr>
+        <p:txBody>
+          <a:bodyPr wrap="square" rtlCol="0">
+            <a:spAutoFit/>
+          </a:bodyPr>
+          <a:lstStyle/>
+          <a:p>
+            <a:r>
+              <a:rPr lang="en-US" altLang="ko-KR" dirty="0" smtClean="0"/>
+              <a:t># of data: </a:t>
+            </a:r>
+            <a:r>
+              <a:rPr lang="en-US" altLang="ko-KR" dirty="0" smtClean="0"/>
+              <a:t>57,000</a:t>
+            </a:r>
+            <a:endParaRPr lang="en-US" altLang="ko-KR" dirty="0" smtClean="0"/>
+          </a:p>
+          <a:p>
+            <a:r>
+              <a:rPr lang="en-US" altLang="ko-KR" dirty="0"/>
+              <a:t>FOM = T</a:t>
+            </a:r>
+            <a:r>
+              <a:rPr lang="en-US" altLang="ko-KR" baseline="-25000" dirty="0"/>
+              <a:t>1</a:t>
+            </a:r>
+            <a:r>
+              <a:rPr lang="en-US" altLang="ko-KR" dirty="0"/>
+              <a:t>+T</a:t>
+            </a:r>
+            <a:r>
+              <a:rPr lang="en-US" altLang="ko-KR" baseline="-25000" dirty="0"/>
+              <a:t>2</a:t>
+            </a:r>
+            <a:r>
+              <a:rPr lang="en-US" altLang="ko-KR" dirty="0"/>
+              <a:t>+T</a:t>
+            </a:r>
+            <a:r>
+              <a:rPr lang="en-US" altLang="ko-KR" baseline="-25000" dirty="0"/>
+              <a:t>3</a:t>
+            </a:r>
+            <a:r>
+              <a:rPr lang="en-US" altLang="ko-KR" dirty="0"/>
+              <a:t> - |R</a:t>
+            </a:r>
+            <a:r>
+              <a:rPr lang="en-US" altLang="ko-KR" dirty="0" smtClean="0"/>
+              <a:t>| - |</a:t>
+            </a:r>
+            <a:r>
+              <a:rPr lang="en-US" altLang="ko-KR" dirty="0" smtClean="0"/>
+              <a:t>T</a:t>
+            </a:r>
+            <a:r>
+              <a:rPr lang="en-US" altLang="ko-KR" baseline="-25000" dirty="0" smtClean="0"/>
+              <a:t>1</a:t>
+            </a:r>
+            <a:r>
+              <a:rPr lang="en-US" altLang="ko-KR" dirty="0" smtClean="0"/>
+              <a:t>-T</a:t>
+            </a:r>
+            <a:r>
+              <a:rPr lang="en-US" altLang="ko-KR" baseline="-25000" dirty="0" smtClean="0"/>
+              <a:t>2</a:t>
+            </a:r>
+            <a:r>
+              <a:rPr lang="en-US" altLang="ko-KR" dirty="0" smtClean="0"/>
+              <a:t>|</a:t>
+            </a:r>
+            <a:endParaRPr lang="ko-KR" altLang="en-US" baseline="-25000" dirty="0"/>
+          </a:p>
+        </p:txBody>
+      </p:sp>
+      <p:sp>
+        <p:nvSpPr>
+          <p:cNvPr id="30" name="TextBox 29"/>
+          <p:cNvSpPr txBox="1"/>
+          <p:nvPr/>
+        </p:nvSpPr>
+        <p:spPr>
+          <a:xfrm>
+            <a:off x="61754" y="691259"/>
+            <a:ext cx="498816" cy="369332"/>
+          </a:xfrm>
+          <a:prstGeom prst="rect">
+            <a:avLst/>
+          </a:prstGeom>
+          <a:noFill/>
+        </p:spPr>
+        <p:txBody>
+          <a:bodyPr wrap="square" rtlCol="0">
+            <a:spAutoFit/>
+          </a:bodyPr>
+          <a:lstStyle/>
+          <a:p>
+            <a:r>
+              <a:rPr lang="en-US" altLang="ko-KR" b="1" dirty="0" smtClean="0">
+                <a:solidFill>
+                  <a:srgbClr val="3333FF"/>
+                </a:solidFill>
+              </a:rPr>
+              <a:t>TE</a:t>
+            </a:r>
+            <a:endParaRPr lang="ko-KR" altLang="en-US" b="1" baseline="-25000" dirty="0">
+              <a:solidFill>
+                <a:srgbClr val="3333FF"/>
+              </a:solidFill>
+            </a:endParaRPr>
+          </a:p>
+        </p:txBody>
+      </p:sp>
+      <p:cxnSp>
+        <p:nvCxnSpPr>
+          <p:cNvPr id="43" name="직선 화살표 연결선 42"/>
+          <p:cNvCxnSpPr/>
+          <p:nvPr/>
+        </p:nvCxnSpPr>
+        <p:spPr>
+          <a:xfrm>
+            <a:off x="668585" y="3413760"/>
+            <a:ext cx="723570" cy="0"/>
+          </a:xfrm>
+          <a:prstGeom prst="straightConnector1">
+            <a:avLst/>
+          </a:prstGeom>
+          <a:ln w="28575">
+            <a:solidFill>
+              <a:schemeClr val="bg1"/>
+            </a:solidFill>
+            <a:headEnd type="triangle"/>
+            <a:tailEnd type="triangle"/>
+          </a:ln>
+        </p:spPr>
+        <p:style>
+          <a:lnRef idx="1">
+            <a:schemeClr val="accent1"/>
+          </a:lnRef>
+          <a:fillRef idx="0">
+            <a:schemeClr val="accent1"/>
+          </a:fillRef>
+          <a:effectRef idx="0">
+            <a:schemeClr val="accent1"/>
+          </a:effectRef>
+          <a:fontRef idx="minor">
+            <a:schemeClr val="tx1"/>
+          </a:fontRef>
+        </p:style>
+      </p:cxnSp>
+      <p:sp>
+        <p:nvSpPr>
+          <p:cNvPr id="44" name="TextBox 43"/>
+          <p:cNvSpPr txBox="1"/>
+          <p:nvPr/>
+        </p:nvSpPr>
+        <p:spPr>
+          <a:xfrm>
+            <a:off x="1338974" y="3209655"/>
+            <a:ext cx="318376" cy="369332"/>
+          </a:xfrm>
+          <a:prstGeom prst="rect">
+            <a:avLst/>
+          </a:prstGeom>
+          <a:noFill/>
+        </p:spPr>
+        <p:txBody>
+          <a:bodyPr wrap="square" rtlCol="0">
+            <a:spAutoFit/>
+          </a:bodyPr>
+          <a:lstStyle/>
+          <a:p>
+            <a:r>
+              <a:rPr lang="en-US" altLang="ko-KR" b="1" dirty="0" smtClean="0">
+                <a:solidFill>
+                  <a:schemeClr val="bg1"/>
+                </a:solidFill>
+              </a:rPr>
+              <a:t>E</a:t>
+            </a:r>
+            <a:endParaRPr lang="ko-KR" altLang="en-US" b="1" baseline="-25000" dirty="0">
+              <a:solidFill>
+                <a:schemeClr val="bg1"/>
+              </a:solidFill>
+            </a:endParaRPr>
+          </a:p>
+        </p:txBody>
+      </p:sp>
+      <p:sp>
+        <p:nvSpPr>
+          <p:cNvPr id="45" name="TextBox 44"/>
+          <p:cNvSpPr txBox="1"/>
+          <p:nvPr/>
+        </p:nvSpPr>
+        <p:spPr>
+          <a:xfrm>
+            <a:off x="1338974" y="5906828"/>
+            <a:ext cx="318376" cy="369332"/>
+          </a:xfrm>
+          <a:prstGeom prst="rect">
+            <a:avLst/>
+          </a:prstGeom>
+          <a:noFill/>
+        </p:spPr>
+        <p:txBody>
+          <a:bodyPr wrap="square" rtlCol="0">
+            <a:spAutoFit/>
+          </a:bodyPr>
+          <a:lstStyle/>
+          <a:p>
+            <a:r>
+              <a:rPr lang="en-US" altLang="ko-KR" b="1" dirty="0" smtClean="0">
+                <a:solidFill>
+                  <a:schemeClr val="bg1"/>
+                </a:solidFill>
+              </a:rPr>
+              <a:t>E</a:t>
+            </a:r>
+            <a:endParaRPr lang="ko-KR" altLang="en-US" b="1" baseline="-25000" dirty="0">
+              <a:solidFill>
+                <a:schemeClr val="bg1"/>
+              </a:solidFill>
+            </a:endParaRPr>
+          </a:p>
+        </p:txBody>
+      </p:sp>
+      <p:grpSp>
+        <p:nvGrpSpPr>
+          <p:cNvPr id="50" name="그룹 49"/>
+          <p:cNvGrpSpPr/>
+          <p:nvPr/>
+        </p:nvGrpSpPr>
+        <p:grpSpPr>
+          <a:xfrm>
+            <a:off x="901059" y="6144740"/>
+            <a:ext cx="205442" cy="205442"/>
+            <a:chOff x="896296" y="6138848"/>
+            <a:chExt cx="205442" cy="205442"/>
+          </a:xfrm>
+        </p:grpSpPr>
+        <p:sp>
+          <p:nvSpPr>
+            <p:cNvPr id="46" name="타원 45"/>
+            <p:cNvSpPr/>
+            <p:nvPr/>
+          </p:nvSpPr>
+          <p:spPr>
+            <a:xfrm>
+              <a:off x="896296" y="6138848"/>
+              <a:ext cx="205442" cy="205442"/>
+            </a:xfrm>
+            <a:prstGeom prst="ellipse">
+              <a:avLst/>
+            </a:prstGeom>
+            <a:noFill/>
+            <a:ln w="28575">
+              <a:solidFill>
+                <a:schemeClr val="bg1"/>
+              </a:solidFill>
+            </a:ln>
+          </p:spPr>
+          <p:style>
+            <a:lnRef idx="2">
+              <a:schemeClr val="accent1">
+                <a:shade val="50000"/>
+              </a:schemeClr>
+            </a:lnRef>
+            <a:fillRef idx="1">
+              <a:schemeClr val="accent1"/>
+            </a:fillRef>
+            <a:effectRef idx="0">
+              <a:schemeClr val="accent1"/>
+            </a:effectRef>
+            <a:fontRef idx="minor">
+              <a:schemeClr val="lt1"/>
+            </a:fontRef>
+          </p:style>
+          <p:txBody>
+            <a:bodyPr rtlCol="0" anchor="ctr"/>
+            <a:lstStyle/>
+            <a:p>
+              <a:pPr algn="ctr"/>
+              <a:endParaRPr lang="ko-KR" altLang="en-US"/>
+            </a:p>
+          </p:txBody>
+        </p:sp>
+        <p:sp>
+          <p:nvSpPr>
+            <p:cNvPr id="47" name="타원 46"/>
+            <p:cNvSpPr/>
+            <p:nvPr/>
+          </p:nvSpPr>
+          <p:spPr>
+            <a:xfrm>
+              <a:off x="955698" y="6198250"/>
+              <a:ext cx="86638" cy="86638"/>
+            </a:xfrm>
+            <a:prstGeom prst="ellipse">
+              <a:avLst/>
+            </a:prstGeom>
+            <a:solidFill>
+              <a:schemeClr val="bg1"/>
+            </a:solidFill>
+            <a:ln w="28575">
+              <a:noFill/>
+            </a:ln>
+          </p:spPr>
+          <p:style>
+            <a:lnRef idx="2">
+              <a:schemeClr val="accent1">
+                <a:shade val="50000"/>
+              </a:schemeClr>
+            </a:lnRef>
+            <a:fillRef idx="1">
+              <a:schemeClr val="accent1"/>
+            </a:fillRef>
+            <a:effectRef idx="0">
+              <a:schemeClr val="accent1"/>
+            </a:effectRef>
+            <a:fontRef idx="minor">
+              <a:schemeClr val="lt1"/>
+            </a:fontRef>
+          </p:style>
+          <p:txBody>
+            <a:bodyPr rtlCol="0" anchor="ctr"/>
+            <a:lstStyle/>
+            <a:p>
+              <a:pPr algn="ctr"/>
+              <a:endParaRPr lang="ko-KR" altLang="en-US"/>
+            </a:p>
+          </p:txBody>
+        </p:sp>
+      </p:grpSp>
+      <p:pic>
+        <p:nvPicPr>
+          <p:cNvPr id="14" name="그림 13"/>
+          <p:cNvPicPr>
+            <a:picLocks noChangeAspect="1"/>
+          </p:cNvPicPr>
+          <p:nvPr/>
+        </p:nvPicPr>
+        <p:blipFill rotWithShape="1">
+          <a:blip r:embed="rId4"/>
+          <a:srcRect l="1928" t="11353" r="5523" b="3308"/>
+          <a:stretch/>
+        </p:blipFill>
+        <p:spPr>
+          <a:xfrm>
+            <a:off x="6273136" y="1234321"/>
+            <a:ext cx="2823688" cy="2160000"/>
+          </a:xfrm>
+          <a:prstGeom prst="rect">
+            <a:avLst/>
+          </a:prstGeom>
+        </p:spPr>
+      </p:pic>
+    </p:spTree>
+    <p:extLst>
+      <p:ext uri="{BB962C8B-B14F-4D97-AF65-F5344CB8AC3E}">
+        <p14:creationId xmlns:p14="http://schemas.microsoft.com/office/powerpoint/2010/main" val="716949450"/>
+      </p:ext>
+    </p:extLst>
+  </p:cSld>
+  <p:clrMapOvr>
+    <a:masterClrMapping/>
+  </p:clrMapOvr>
+  <p:timing>
+    <p:tnLst>
+      <p:par>
+        <p:cTn id="1" dur="indefinite" restart="never" nodeType="tmRoot"/>
+      </p:par>
+    </p:tnLst>
+  </p:timing>
 </p:sld>
 </file>
 

--- a/랩미팅/201909/190909 (Jong).pptx
+++ b/랩미팅/201909/190909 (Jong).pptx
@@ -3534,11 +3534,7 @@
             </a:pPr>
             <a:r>
               <a:rPr lang="en-US" altLang="ko-KR" dirty="0" smtClean="0"/>
-              <a:t>Manuscript </a:t>
-            </a:r>
-            <a:r>
-              <a:rPr lang="en-US" altLang="ko-KR" dirty="0" smtClean="0"/>
-              <a:t>preparation</a:t>
+              <a:t>Manuscript preparation</a:t>
             </a:r>
             <a:r>
               <a:rPr lang="en-US" altLang="ko-KR" dirty="0"/>
@@ -6444,7 +6440,15 @@
                   <a:srgbClr val="3333FF"/>
                 </a:solidFill>
               </a:rPr>
-              <a:t>Splitter Input Mode Comparison</a:t>
+              <a:t>Splitter </a:t>
+            </a:r>
+            <a:r>
+              <a:rPr lang="en-US" altLang="ko-KR" sz="2000" b="1" dirty="0" smtClean="0">
+                <a:solidFill>
+                  <a:srgbClr val="3333FF"/>
+                </a:solidFill>
+              </a:rPr>
+              <a:t>Design Result</a:t>
             </a:r>
             <a:endParaRPr lang="ko-KR" altLang="en-US" sz="2000" b="1" dirty="0">
               <a:solidFill>
@@ -6752,13 +6756,8 @@
           <a:p>
             <a:r>
               <a:rPr lang="en-US" altLang="ko-KR" dirty="0" smtClean="0"/>
-              <a:t># of data: </a:t>
-            </a:r>
-            <a:r>
-              <a:rPr lang="en-US" altLang="ko-KR" dirty="0" smtClean="0"/>
-              <a:t>57,000</a:t>
-            </a:r>
-            <a:endParaRPr lang="en-US" altLang="ko-KR" dirty="0" smtClean="0"/>
+              <a:t># of data: 57,000</a:t>
+            </a:r>
           </a:p>
           <a:p>
             <a:r>
@@ -6791,11 +6790,7 @@
             </a:r>
             <a:r>
               <a:rPr lang="en-US" altLang="ko-KR" dirty="0" smtClean="0"/>
-              <a:t>| - |</a:t>
-            </a:r>
-            <a:r>
-              <a:rPr lang="en-US" altLang="ko-KR" dirty="0" smtClean="0"/>
-              <a:t>T</a:t>
+              <a:t>| - |T</a:t>
             </a:r>
             <a:r>
               <a:rPr lang="en-US" altLang="ko-KR" baseline="-25000" dirty="0" smtClean="0"/>
